--- a/opends4all-resources/opends4all-data-wrangling-and-integration/DATA-CLEANING-Quality-intro.pptx
+++ b/opends4all-resources/opends4all-data-wrangling-and-integration/DATA-CLEANING-Quality-intro.pptx
@@ -266,7 +266,7 @@
       </p15:notesGuideLst>
     </p:ext>
     <p:ext uri="http://customooxmlschemas.google.com/">
-      <go:slidesCustomData xmlns="" xmlns:p15="http://schemas.microsoft.com/office/powerpoint/2012/main" xmlns:go="http://customooxmlschemas.google.com/" roundtripDataSignature="AMtx7mhW+JFCNcOhfESUAh1OuuX/vq4hkw==" r:id="rId70"/>
+      <go:slidesCustomData xmlns:go="http://customooxmlschemas.google.com/" xmlns:p15="http://schemas.microsoft.com/office/powerpoint/2012/main" xmlns="" roundtripDataSignature="AMtx7mhW+JFCNcOhfESUAh1OuuX/vq4hkw==" r:id="rId70"/>
     </p:ext>
   </p:extLst>
 </p:presentation>
@@ -2060,14 +2060,14 @@
           <a:ln/>
           <a:extLst>
             <a:ext uri="{909E8E84-426E-40dd-AFC4-6F175D3DCCD1}">
-              <a14:hiddenFill xmlns="" xmlns:a14="http://schemas.microsoft.com/office/drawing/2010/main">
+              <a14:hiddenFill xmlns:a14="http://schemas.microsoft.com/office/drawing/2010/main" xmlns="">
                 <a:solidFill>
                   <a:srgbClr val="FFFFFF"/>
                 </a:solidFill>
               </a14:hiddenFill>
             </a:ext>
             <a:ext uri="{91240B29-F687-4f45-9708-019B960494DF}">
-              <a14:hiddenLine xmlns="" xmlns:a14="http://schemas.microsoft.com/office/drawing/2010/main" w="9525">
+              <a14:hiddenLine xmlns:a14="http://schemas.microsoft.com/office/drawing/2010/main" xmlns="" w="9525">
                 <a:solidFill>
                   <a:srgbClr val="000000"/>
                 </a:solidFill>
@@ -2336,17 +2336,17 @@
           <a:ln/>
           <a:extLst>
             <a:ext uri="{FAA26D3D-D897-4be2-8F04-BA451C77F1D7}">
-              <ma14:placeholderFlag xmlns:ma14="http://schemas.microsoft.com/office/mac/drawingml/2011/main" xmlns="" val="1"/>
+              <ma14:placeholderFlag xmlns="" xmlns:ma14="http://schemas.microsoft.com/office/mac/drawingml/2011/main" val="1"/>
             </a:ext>
             <a:ext uri="{909E8E84-426E-40dd-AFC4-6F175D3DCCD1}">
-              <a14:hiddenFill xmlns="" xmlns:a14="http://schemas.microsoft.com/office/drawing/2010/main">
+              <a14:hiddenFill xmlns:a14="http://schemas.microsoft.com/office/drawing/2010/main" xmlns="">
                 <a:solidFill>
                   <a:srgbClr val="FFFFFF"/>
                 </a:solidFill>
               </a14:hiddenFill>
             </a:ext>
             <a:ext uri="{91240B29-F687-4f45-9708-019B960494DF}">
-              <a14:hiddenLine xmlns="" xmlns:a14="http://schemas.microsoft.com/office/drawing/2010/main" w="9525">
+              <a14:hiddenLine xmlns:a14="http://schemas.microsoft.com/office/drawing/2010/main" xmlns="" w="9525">
                 <a:solidFill>
                   <a:srgbClr val="000000"/>
                 </a:solidFill>
@@ -13200,7 +13200,7 @@
             </a:pPr>
             <a:fld id="{7323C85F-1269-B54F-84D5-B0E2FBC7E66E}" type="datetime1">
               <a:rPr lang="en-US" smtClean="0"/>
-              <a:t>8/4/2022</a:t>
+              <a:t>9/9/2022</a:t>
             </a:fld>
             <a:endParaRPr lang="en-US" dirty="0"/>
           </a:p>
@@ -13818,7 +13818,7 @@
             </a:pPr>
             <a:fld id="{8FBD591B-9D13-B949-9C7D-34F44F1D5FA5}" type="datetime1">
               <a:rPr lang="en-US" smtClean="0"/>
-              <a:t>8/4/2022</a:t>
+              <a:t>9/9/2022</a:t>
             </a:fld>
             <a:endParaRPr lang="en-US" dirty="0"/>
           </a:p>
@@ -14843,7 +14843,7 @@
             </a:pPr>
             <a:fld id="{7323C85F-1269-B54F-84D5-B0E2FBC7E66E}" type="datetime1">
               <a:rPr lang="en-US" smtClean="0"/>
-              <a:t>8/4/2022</a:t>
+              <a:t>9/9/2022</a:t>
             </a:fld>
             <a:endParaRPr lang="en-US" dirty="0"/>
           </a:p>
@@ -15768,7 +15768,7 @@
             </a:pPr>
             <a:fld id="{7323C85F-1269-B54F-84D5-B0E2FBC7E66E}" type="datetime1">
               <a:rPr lang="en-US" smtClean="0"/>
-              <a:t>8/4/2022</a:t>
+              <a:t>9/9/2022</a:t>
             </a:fld>
             <a:endParaRPr lang="en-US" dirty="0"/>
           </a:p>
@@ -16799,7 +16799,7 @@
             </a:pPr>
             <a:fld id="{7323C85F-1269-B54F-84D5-B0E2FBC7E66E}" type="datetime1">
               <a:rPr lang="en-US" smtClean="0"/>
-              <a:t>8/4/2022</a:t>
+              <a:t>9/9/2022</a:t>
             </a:fld>
             <a:endParaRPr lang="en-US" dirty="0"/>
           </a:p>
@@ -17830,7 +17830,7 @@
             </a:pPr>
             <a:fld id="{7323C85F-1269-B54F-84D5-B0E2FBC7E66E}" type="datetime1">
               <a:rPr lang="en-US" smtClean="0"/>
-              <a:t>8/4/2022</a:t>
+              <a:t>9/9/2022</a:t>
             </a:fld>
             <a:endParaRPr lang="en-US" dirty="0"/>
           </a:p>
@@ -18909,7 +18909,7 @@
             </a:pPr>
             <a:fld id="{7323C85F-1269-B54F-84D5-B0E2FBC7E66E}" type="datetime1">
               <a:rPr lang="en-US" smtClean="0"/>
-              <a:t>8/4/2022</a:t>
+              <a:t>9/9/2022</a:t>
             </a:fld>
             <a:endParaRPr lang="en-US" dirty="0"/>
           </a:p>
@@ -19986,7 +19986,7 @@
             </a:pPr>
             <a:fld id="{7323C85F-1269-B54F-84D5-B0E2FBC7E66E}" type="datetime1">
               <a:rPr lang="en-US" smtClean="0"/>
-              <a:t>8/4/2022</a:t>
+              <a:t>9/9/2022</a:t>
             </a:fld>
             <a:endParaRPr lang="en-US" dirty="0"/>
           </a:p>
@@ -20938,7 +20938,7 @@
             </a:pPr>
             <a:fld id="{7323C85F-1269-B54F-84D5-B0E2FBC7E66E}" type="datetime1">
               <a:rPr lang="en-US" smtClean="0"/>
-              <a:t>8/4/2022</a:t>
+              <a:t>9/9/2022</a:t>
             </a:fld>
             <a:endParaRPr lang="en-US" dirty="0"/>
           </a:p>
@@ -21703,7 +21703,7 @@
             </a:pPr>
             <a:fld id="{7323C85F-1269-B54F-84D5-B0E2FBC7E66E}" type="datetime1">
               <a:rPr lang="en-US" smtClean="0"/>
-              <a:t>8/4/2022</a:t>
+              <a:t>9/9/2022</a:t>
             </a:fld>
             <a:endParaRPr lang="en-US" dirty="0"/>
           </a:p>
@@ -22679,7 +22679,7 @@
             </a:pPr>
             <a:fld id="{7323C85F-1269-B54F-84D5-B0E2FBC7E66E}" type="datetime1">
               <a:rPr lang="en-US" smtClean="0"/>
-              <a:t>8/4/2022</a:t>
+              <a:t>9/9/2022</a:t>
             </a:fld>
             <a:endParaRPr lang="en-US" dirty="0"/>
           </a:p>
@@ -23887,6 +23887,67 @@
           </a:p>
         </p:txBody>
       </p:sp>
+      <p:sp>
+        <p:nvSpPr>
+          <p:cNvPr id="3" name="Rectangle 2">
+            <a:extLst>
+              <a:ext uri="{FF2B5EF4-FFF2-40B4-BE49-F238E27FC236}">
+                <a16:creationId xmlns:a16="http://schemas.microsoft.com/office/drawing/2014/main" id="{B2D1D1E0-EE60-2B6B-6F8A-10DBD406528B}"/>
+              </a:ext>
+            </a:extLst>
+          </p:cNvPr>
+          <p:cNvSpPr/>
+          <p:nvPr/>
+        </p:nvSpPr>
+        <p:spPr>
+          <a:xfrm>
+            <a:off x="3371949" y="0"/>
+            <a:ext cx="5772051" cy="276999"/>
+          </a:xfrm>
+          <a:prstGeom prst="rect">
+            <a:avLst/>
+          </a:prstGeom>
+        </p:spPr>
+        <p:txBody>
+          <a:bodyPr wrap="square">
+            <a:spAutoFit/>
+          </a:bodyPr>
+          <a:lstStyle/>
+          <a:p>
+            <a:pPr marL="0" marR="0" lvl="0" indent="0" defTabSz="914400" eaLnBrk="1" fontAlgn="auto" latinLnBrk="0" hangingPunct="1">
+              <a:lnSpc>
+                <a:spcPct val="100000"/>
+              </a:lnSpc>
+              <a:spcBef>
+                <a:spcPts val="0"/>
+              </a:spcBef>
+              <a:spcAft>
+                <a:spcPts val="0"/>
+              </a:spcAft>
+              <a:buClrTx/>
+              <a:buSzTx/>
+              <a:buFontTx/>
+              <a:buNone/>
+              <a:tabLst/>
+              <a:defRPr/>
+            </a:pPr>
+            <a:r>
+              <a:rPr kumimoji="0" lang="en-US" sz="1200" b="0" i="1" u="none" strike="noStrike" kern="0" cap="none" spc="0" normalizeH="0" baseline="0" noProof="0" dirty="0">
+                <a:ln>
+                  <a:noFill/>
+                </a:ln>
+                <a:solidFill>
+                  <a:srgbClr val="FF4434"/>
+                </a:solidFill>
+                <a:effectLst/>
+                <a:uLnTx/>
+                <a:uFillTx/>
+              </a:rPr>
+              <a:t>This work is supported by the National Science Foundation under Award 2021287 </a:t>
+            </a:r>
+          </a:p>
+        </p:txBody>
+      </p:sp>
     </p:spTree>
     <p:extLst>
       <p:ext uri="{BB962C8B-B14F-4D97-AF65-F5344CB8AC3E}">
@@ -29954,14 +30015,14 @@
             <a:effectLst/>
             <a:extLst>
               <a:ext uri="{909E8E84-426E-40dd-AFC4-6F175D3DCCD1}">
-                <a14:hiddenFill xmlns="" xmlns:a14="http://schemas.microsoft.com/office/drawing/2010/main">
+                <a14:hiddenFill xmlns:a14="http://schemas.microsoft.com/office/drawing/2010/main" xmlns="">
                   <a:solidFill>
                     <a:schemeClr val="accent1"/>
                   </a:solidFill>
                 </a14:hiddenFill>
               </a:ext>
               <a:ext uri="{91240B29-F687-4f45-9708-019B960494DF}">
-                <a14:hiddenLine xmlns="" xmlns:a14="http://schemas.microsoft.com/office/drawing/2010/main" w="12700">
+                <a14:hiddenLine xmlns:a14="http://schemas.microsoft.com/office/drawing/2010/main" xmlns="" w="12700">
                   <a:solidFill>
                     <a:schemeClr val="tx1"/>
                   </a:solidFill>
@@ -29971,7 +30032,7 @@
                 </a14:hiddenLine>
               </a:ext>
               <a:ext uri="{AF507438-7753-43e0-B8FC-AC1667EBCBE1}">
-                <a14:hiddenEffects xmlns="" xmlns:a14="http://schemas.microsoft.com/office/drawing/2010/main">
+                <a14:hiddenEffects xmlns:a14="http://schemas.microsoft.com/office/drawing/2010/main" xmlns="">
                   <a:effectLst>
                     <a:outerShdw blurRad="63500" dist="38099" dir="2700000" algn="ctr" rotWithShape="0">
                       <a:schemeClr val="bg2">
@@ -30086,14 +30147,14 @@
             <a:effectLst/>
             <a:extLst>
               <a:ext uri="{909E8E84-426E-40dd-AFC4-6F175D3DCCD1}">
-                <a14:hiddenFill xmlns="" xmlns:a14="http://schemas.microsoft.com/office/drawing/2010/main">
+                <a14:hiddenFill xmlns:a14="http://schemas.microsoft.com/office/drawing/2010/main" xmlns="">
                   <a:solidFill>
                     <a:schemeClr val="accent1"/>
                   </a:solidFill>
                 </a14:hiddenFill>
               </a:ext>
               <a:ext uri="{91240B29-F687-4f45-9708-019B960494DF}">
-                <a14:hiddenLine xmlns="" xmlns:a14="http://schemas.microsoft.com/office/drawing/2010/main" w="12700">
+                <a14:hiddenLine xmlns:a14="http://schemas.microsoft.com/office/drawing/2010/main" xmlns="" w="12700">
                   <a:solidFill>
                     <a:schemeClr val="tx1"/>
                   </a:solidFill>
@@ -30103,7 +30164,7 @@
                 </a14:hiddenLine>
               </a:ext>
               <a:ext uri="{AF507438-7753-43e0-B8FC-AC1667EBCBE1}">
-                <a14:hiddenEffects xmlns="" xmlns:a14="http://schemas.microsoft.com/office/drawing/2010/main">
+                <a14:hiddenEffects xmlns:a14="http://schemas.microsoft.com/office/drawing/2010/main" xmlns="">
                   <a:effectLst>
                     <a:outerShdw blurRad="63500" dist="38099" dir="2700000" algn="ctr" rotWithShape="0">
                       <a:schemeClr val="bg2">
@@ -30240,14 +30301,14 @@
               <a:effectLst/>
               <a:extLst>
                 <a:ext uri="{909E8E84-426E-40dd-AFC4-6F175D3DCCD1}">
-                  <a14:hiddenFill xmlns="" xmlns:a14="http://schemas.microsoft.com/office/drawing/2010/main">
+                  <a14:hiddenFill xmlns:a14="http://schemas.microsoft.com/office/drawing/2010/main" xmlns="">
                     <a:solidFill>
                       <a:schemeClr val="accent1"/>
                     </a:solidFill>
                   </a14:hiddenFill>
                 </a:ext>
                 <a:ext uri="{91240B29-F687-4f45-9708-019B960494DF}">
-                  <a14:hiddenLine xmlns="" xmlns:a14="http://schemas.microsoft.com/office/drawing/2010/main" w="12700">
+                  <a14:hiddenLine xmlns:a14="http://schemas.microsoft.com/office/drawing/2010/main" xmlns="" w="12700">
                     <a:solidFill>
                       <a:schemeClr val="tx1"/>
                     </a:solidFill>
@@ -30257,7 +30318,7 @@
                   </a14:hiddenLine>
                 </a:ext>
                 <a:ext uri="{AF507438-7753-43e0-B8FC-AC1667EBCBE1}">
-                  <a14:hiddenEffects xmlns="" xmlns:a14="http://schemas.microsoft.com/office/drawing/2010/main">
+                  <a14:hiddenEffects xmlns:a14="http://schemas.microsoft.com/office/drawing/2010/main" xmlns="">
                     <a:effectLst>
                       <a:outerShdw blurRad="63500" dist="38099" dir="2700000" algn="ctr" rotWithShape="0">
                         <a:schemeClr val="bg2">
@@ -30304,14 +30365,14 @@
               <a:effectLst/>
               <a:extLst>
                 <a:ext uri="{909E8E84-426E-40dd-AFC4-6F175D3DCCD1}">
-                  <a14:hiddenFill xmlns="" xmlns:a14="http://schemas.microsoft.com/office/drawing/2010/main">
+                  <a14:hiddenFill xmlns:a14="http://schemas.microsoft.com/office/drawing/2010/main" xmlns="">
                     <a:solidFill>
                       <a:schemeClr val="accent1"/>
                     </a:solidFill>
                   </a14:hiddenFill>
                 </a:ext>
                 <a:ext uri="{AF507438-7753-43e0-B8FC-AC1667EBCBE1}">
-                  <a14:hiddenEffects xmlns="" xmlns:a14="http://schemas.microsoft.com/office/drawing/2010/main">
+                  <a14:hiddenEffects xmlns:a14="http://schemas.microsoft.com/office/drawing/2010/main" xmlns="">
                     <a:effectLst>
                       <a:outerShdw blurRad="63500" dist="38099" dir="2700000" algn="ctr" rotWithShape="0">
                         <a:schemeClr val="bg2">
@@ -30365,14 +30426,14 @@
               <a:effectLst/>
               <a:extLst>
                 <a:ext uri="{909E8E84-426E-40dd-AFC4-6F175D3DCCD1}">
-                  <a14:hiddenFill xmlns="" xmlns:a14="http://schemas.microsoft.com/office/drawing/2010/main">
+                  <a14:hiddenFill xmlns:a14="http://schemas.microsoft.com/office/drawing/2010/main" xmlns="">
                     <a:solidFill>
                       <a:schemeClr val="accent1"/>
                     </a:solidFill>
                   </a14:hiddenFill>
                 </a:ext>
                 <a:ext uri="{AF507438-7753-43e0-B8FC-AC1667EBCBE1}">
-                  <a14:hiddenEffects xmlns="" xmlns:a14="http://schemas.microsoft.com/office/drawing/2010/main">
+                  <a14:hiddenEffects xmlns:a14="http://schemas.microsoft.com/office/drawing/2010/main" xmlns="">
                     <a:effectLst>
                       <a:outerShdw blurRad="63500" dist="38099" dir="2700000" algn="ctr" rotWithShape="0">
                         <a:schemeClr val="bg2">
@@ -30426,14 +30487,14 @@
               <a:effectLst/>
               <a:extLst>
                 <a:ext uri="{909E8E84-426E-40dd-AFC4-6F175D3DCCD1}">
-                  <a14:hiddenFill xmlns="" xmlns:a14="http://schemas.microsoft.com/office/drawing/2010/main">
+                  <a14:hiddenFill xmlns:a14="http://schemas.microsoft.com/office/drawing/2010/main" xmlns="">
                     <a:solidFill>
                       <a:schemeClr val="accent1"/>
                     </a:solidFill>
                   </a14:hiddenFill>
                 </a:ext>
                 <a:ext uri="{AF507438-7753-43e0-B8FC-AC1667EBCBE1}">
-                  <a14:hiddenEffects xmlns="" xmlns:a14="http://schemas.microsoft.com/office/drawing/2010/main">
+                  <a14:hiddenEffects xmlns:a14="http://schemas.microsoft.com/office/drawing/2010/main" xmlns="">
                     <a:effectLst>
                       <a:outerShdw blurRad="63500" dist="38099" dir="2700000" algn="ctr" rotWithShape="0">
                         <a:schemeClr val="bg2">
@@ -30487,14 +30548,14 @@
               <a:effectLst/>
               <a:extLst>
                 <a:ext uri="{909E8E84-426E-40dd-AFC4-6F175D3DCCD1}">
-                  <a14:hiddenFill xmlns="" xmlns:a14="http://schemas.microsoft.com/office/drawing/2010/main">
+                  <a14:hiddenFill xmlns:a14="http://schemas.microsoft.com/office/drawing/2010/main" xmlns="">
                     <a:solidFill>
                       <a:schemeClr val="accent1"/>
                     </a:solidFill>
                   </a14:hiddenFill>
                 </a:ext>
                 <a:ext uri="{AF507438-7753-43e0-B8FC-AC1667EBCBE1}">
-                  <a14:hiddenEffects xmlns="" xmlns:a14="http://schemas.microsoft.com/office/drawing/2010/main">
+                  <a14:hiddenEffects xmlns:a14="http://schemas.microsoft.com/office/drawing/2010/main" xmlns="">
                     <a:effectLst>
                       <a:outerShdw blurRad="63500" dist="38099" dir="2700000" algn="ctr" rotWithShape="0">
                         <a:schemeClr val="bg2">
@@ -30545,7 +30606,7 @@
               <a:effectLst/>
               <a:extLst>
                 <a:ext uri="{91240B29-F687-4f45-9708-019B960494DF}">
-                  <a14:hiddenLine xmlns="" xmlns:a14="http://schemas.microsoft.com/office/drawing/2010/main" w="12700">
+                  <a14:hiddenLine xmlns:a14="http://schemas.microsoft.com/office/drawing/2010/main" xmlns="" w="12700">
                     <a:solidFill>
                       <a:schemeClr val="tx1"/>
                     </a:solidFill>
@@ -30555,7 +30616,7 @@
                   </a14:hiddenLine>
                 </a:ext>
                 <a:ext uri="{AF507438-7753-43e0-B8FC-AC1667EBCBE1}">
-                  <a14:hiddenEffects xmlns="" xmlns:a14="http://schemas.microsoft.com/office/drawing/2010/main">
+                  <a14:hiddenEffects xmlns:a14="http://schemas.microsoft.com/office/drawing/2010/main" xmlns="">
                     <a:effectLst>
                       <a:outerShdw blurRad="63500" dist="38099" dir="2700000" algn="ctr" rotWithShape="0">
                         <a:schemeClr val="bg2">
@@ -30606,7 +30667,7 @@
               <a:effectLst/>
               <a:extLst>
                 <a:ext uri="{91240B29-F687-4f45-9708-019B960494DF}">
-                  <a14:hiddenLine xmlns="" xmlns:a14="http://schemas.microsoft.com/office/drawing/2010/main" w="12700">
+                  <a14:hiddenLine xmlns:a14="http://schemas.microsoft.com/office/drawing/2010/main" xmlns="" w="12700">
                     <a:solidFill>
                       <a:schemeClr val="tx1"/>
                     </a:solidFill>
@@ -30616,7 +30677,7 @@
                   </a14:hiddenLine>
                 </a:ext>
                 <a:ext uri="{AF507438-7753-43e0-B8FC-AC1667EBCBE1}">
-                  <a14:hiddenEffects xmlns="" xmlns:a14="http://schemas.microsoft.com/office/drawing/2010/main">
+                  <a14:hiddenEffects xmlns:a14="http://schemas.microsoft.com/office/drawing/2010/main" xmlns="">
                     <a:effectLst>
                       <a:outerShdw blurRad="63500" dist="38099" dir="2700000" algn="ctr" rotWithShape="0">
                         <a:schemeClr val="bg2">
